--- a/2022/03/08/MasterClass5RancherTricks.pptx
+++ b/2022/03/08/MasterClass5RancherTricks.pptx
@@ -26364,15 +26364,15 @@
           <a:lstStyle/>
           <a:p>
             <a:r>
-              <a:rPr lang="en-AU" dirty="0"/>
-              <a:t>March 3</a:t>
-            </a:r>
-            <a:r>
-              <a:rPr lang="en-AU" baseline="30000" dirty="0"/>
-              <a:t>RD</a:t>
-            </a:r>
-            <a:r>
-              <a:rPr lang="en-AU" dirty="0"/>
+              <a:rPr lang="en-AU"/>
+              <a:t>March 8</a:t>
+            </a:r>
+            <a:r>
+              <a:rPr lang="en-AU" baseline="30000"/>
+              <a:t>th</a:t>
+            </a:r>
+            <a:r>
+              <a:rPr lang="en-AU"/>
               <a:t> 2022</a:t>
             </a:r>
             <a:endParaRPr lang="en-US" dirty="0"/>
@@ -29023,7 +29023,7 @@
 </file>
 
 <file path=ppt/slides/slide24.xml><?xml version="1.0" encoding="utf-8"?>
-<p:sld xmlns:a="http://schemas.openxmlformats.org/drawingml/2006/main" xmlns:r="http://schemas.openxmlformats.org/officeDocument/2006/relationships" xmlns:p="http://schemas.openxmlformats.org/presentationml/2006/main" show="0">
+<p:sld xmlns:a="http://schemas.openxmlformats.org/drawingml/2006/main" xmlns:r="http://schemas.openxmlformats.org/officeDocument/2006/relationships" xmlns:p="http://schemas.openxmlformats.org/presentationml/2006/main">
   <p:cSld>
     <p:spTree>
       <p:nvGrpSpPr>
